--- a/Avaliação Bacalhau.pptx
+++ b/Avaliação Bacalhau.pptx
@@ -9,9 +9,11 @@
     <p:sldId id="258" r:id="rId3"/>
     <p:sldId id="261" r:id="rId4"/>
     <p:sldId id="262" r:id="rId5"/>
-    <p:sldId id="257" r:id="rId6"/>
-    <p:sldId id="260" r:id="rId7"/>
-    <p:sldId id="259" r:id="rId8"/>
+    <p:sldId id="263" r:id="rId6"/>
+    <p:sldId id="264" r:id="rId7"/>
+    <p:sldId id="257" r:id="rId8"/>
+    <p:sldId id="260" r:id="rId9"/>
+    <p:sldId id="259" r:id="rId10"/>
   </p:sldIdLst>
   <p:sldSz cx="12192000" cy="6858000"/>
   <p:notesSz cx="6858000" cy="9144000"/>
@@ -539,7 +541,7 @@
           <a:p>
             <a:fld id="{53BEF823-48A5-43FC-BE03-E79964288B41}" type="datetimeFigureOut">
               <a:rPr lang="en-US" smtClean="0"/>
-              <a:t>4/15/2021</a:t>
+              <a:t>4/22/2021</a:t>
             </a:fld>
             <a:endParaRPr lang="en-US" dirty="0"/>
           </a:p>
@@ -750,7 +752,7 @@
             <a:fld id="{53BEF823-48A5-43FC-BE03-E79964288B41}" type="datetimeFigureOut">
               <a:rPr lang="en-US" smtClean="0"/>
               <a:pPr algn="r"/>
-              <a:t>4/15/2021</a:t>
+              <a:t>4/22/2021</a:t>
             </a:fld>
             <a:endParaRPr lang="en-US" dirty="0"/>
           </a:p>
@@ -965,7 +967,7 @@
             <a:fld id="{53BEF823-48A5-43FC-BE03-E79964288B41}" type="datetimeFigureOut">
               <a:rPr lang="en-US" smtClean="0"/>
               <a:pPr algn="r"/>
-              <a:t>4/15/2021</a:t>
+              <a:t>4/22/2021</a:t>
             </a:fld>
             <a:endParaRPr lang="en-US" dirty="0"/>
           </a:p>
@@ -1168,7 +1170,7 @@
             <a:fld id="{53BEF823-48A5-43FC-BE03-E79964288B41}" type="datetimeFigureOut">
               <a:rPr lang="en-US" smtClean="0"/>
               <a:pPr algn="r"/>
-              <a:t>4/15/2021</a:t>
+              <a:t>4/22/2021</a:t>
             </a:fld>
             <a:endParaRPr lang="en-US" dirty="0"/>
           </a:p>
@@ -1452,7 +1454,7 @@
             <a:fld id="{53BEF823-48A5-43FC-BE03-E79964288B41}" type="datetimeFigureOut">
               <a:rPr lang="en-US" smtClean="0"/>
               <a:pPr algn="r"/>
-              <a:t>4/15/2021</a:t>
+              <a:t>4/22/2021</a:t>
             </a:fld>
             <a:endParaRPr lang="en-US" dirty="0"/>
           </a:p>
@@ -1696,7 +1698,7 @@
             <a:fld id="{53BEF823-48A5-43FC-BE03-E79964288B41}" type="datetimeFigureOut">
               <a:rPr lang="en-US" smtClean="0"/>
               <a:pPr algn="r"/>
-              <a:t>4/15/2021</a:t>
+              <a:t>4/22/2021</a:t>
             </a:fld>
             <a:endParaRPr lang="en-US" dirty="0"/>
           </a:p>
@@ -2139,7 +2141,7 @@
             <a:fld id="{53BEF823-48A5-43FC-BE03-E79964288B41}" type="datetimeFigureOut">
               <a:rPr lang="en-US" smtClean="0"/>
               <a:pPr algn="r"/>
-              <a:t>4/15/2021</a:t>
+              <a:t>4/22/2021</a:t>
             </a:fld>
             <a:endParaRPr lang="en-US" dirty="0"/>
           </a:p>
@@ -2285,7 +2287,7 @@
             <a:fld id="{53BEF823-48A5-43FC-BE03-E79964288B41}" type="datetimeFigureOut">
               <a:rPr lang="en-US" smtClean="0"/>
               <a:pPr algn="r"/>
-              <a:t>4/15/2021</a:t>
+              <a:t>4/22/2021</a:t>
             </a:fld>
             <a:endParaRPr lang="en-US" dirty="0"/>
           </a:p>
@@ -2403,7 +2405,7 @@
             <a:fld id="{53BEF823-48A5-43FC-BE03-E79964288B41}" type="datetimeFigureOut">
               <a:rPr lang="en-US" smtClean="0"/>
               <a:pPr algn="r"/>
-              <a:t>4/15/2021</a:t>
+              <a:t>4/22/2021</a:t>
             </a:fld>
             <a:endParaRPr lang="en-US" dirty="0"/>
           </a:p>
@@ -2687,7 +2689,7 @@
             <a:fld id="{53BEF823-48A5-43FC-BE03-E79964288B41}" type="datetimeFigureOut">
               <a:rPr lang="en-US" smtClean="0"/>
               <a:pPr algn="r"/>
-              <a:t>4/15/2021</a:t>
+              <a:t>4/22/2021</a:t>
             </a:fld>
             <a:endParaRPr lang="en-US" dirty="0"/>
           </a:p>
@@ -2982,7 +2984,7 @@
             <a:fld id="{53BEF823-48A5-43FC-BE03-E79964288B41}" type="datetimeFigureOut">
               <a:rPr lang="en-US" smtClean="0"/>
               <a:pPr algn="r"/>
-              <a:t>4/15/2021</a:t>
+              <a:t>4/22/2021</a:t>
             </a:fld>
             <a:endParaRPr lang="en-US" dirty="0"/>
           </a:p>
@@ -3477,7 +3479,7 @@
             <a:fld id="{53BEF823-48A5-43FC-BE03-E79964288B41}" type="datetimeFigureOut">
               <a:rPr lang="en-US" smtClean="0"/>
               <a:pPr algn="r"/>
-              <a:t>4/15/2021</a:t>
+              <a:t>4/22/2021</a:t>
             </a:fld>
             <a:endParaRPr lang="en-US" dirty="0"/>
           </a:p>
@@ -3953,7 +3955,7 @@
                 <a16:creationId xmlns:a16="http://schemas.microsoft.com/office/drawing/2014/main" id="{55B419A7-F817-4767-8CCB-FB0E189C4ACD}"/>
               </a:ext>
               <a:ext uri="{C183D7F6-B498-43B3-948B-1728B52AA6E4}">
-                <adec:decorative xmlns:adec="http://schemas.microsoft.com/office/drawing/2017/decorative" xmlns="" val="1"/>
+                <adec:decorative xmlns="" xmlns:adec="http://schemas.microsoft.com/office/drawing/2017/decorative" val="1"/>
               </a:ext>
             </a:extLst>
           </p:cNvPr>
@@ -4050,7 +4052,7 @@
                 <a16:creationId xmlns:a16="http://schemas.microsoft.com/office/drawing/2014/main" id="{E3B95BE3-D5B2-4F38-9A01-17866C9FBA6E}"/>
               </a:ext>
               <a:ext uri="{C183D7F6-B498-43B3-948B-1728B52AA6E4}">
-                <adec:decorative xmlns:adec="http://schemas.microsoft.com/office/drawing/2017/decorative" xmlns="" val="1"/>
+                <adec:decorative xmlns="" xmlns:adec="http://schemas.microsoft.com/office/drawing/2017/decorative" val="1"/>
               </a:ext>
             </a:extLst>
           </p:cNvPr>
@@ -4102,7 +4104,7 @@
                 <a16:creationId xmlns:a16="http://schemas.microsoft.com/office/drawing/2014/main" id="{ADA271CD-3011-4A05-B4A3-80F1794684F2}"/>
               </a:ext>
               <a:ext uri="{C183D7F6-B498-43B3-948B-1728B52AA6E4}">
-                <adec:decorative xmlns:adec="http://schemas.microsoft.com/office/drawing/2017/decorative" xmlns="" val="1"/>
+                <adec:decorative xmlns="" xmlns:adec="http://schemas.microsoft.com/office/drawing/2017/decorative" val="1"/>
               </a:ext>
             </a:extLst>
           </p:cNvPr>
@@ -4402,7 +4404,7 @@
                 <a16:creationId xmlns:a16="http://schemas.microsoft.com/office/drawing/2014/main" id="{55B419A7-F817-4767-8CCB-FB0E189C4ACD}"/>
               </a:ext>
               <a:ext uri="{C183D7F6-B498-43B3-948B-1728B52AA6E4}">
-                <adec:decorative xmlns:adec="http://schemas.microsoft.com/office/drawing/2017/decorative" xmlns="" val="1"/>
+                <adec:decorative xmlns="" xmlns:adec="http://schemas.microsoft.com/office/drawing/2017/decorative" val="1"/>
               </a:ext>
             </a:extLst>
           </p:cNvPr>
@@ -4462,7 +4464,7 @@
                 <a16:creationId xmlns:a16="http://schemas.microsoft.com/office/drawing/2014/main" id="{E3B95BE3-D5B2-4F38-9A01-17866C9FBA6E}"/>
               </a:ext>
               <a:ext uri="{C183D7F6-B498-43B3-948B-1728B52AA6E4}">
-                <adec:decorative xmlns:adec="http://schemas.microsoft.com/office/drawing/2017/decorative" xmlns="" val="1"/>
+                <adec:decorative xmlns="" xmlns:adec="http://schemas.microsoft.com/office/drawing/2017/decorative" val="1"/>
               </a:ext>
             </a:extLst>
           </p:cNvPr>
@@ -4514,7 +4516,7 @@
                 <a16:creationId xmlns:a16="http://schemas.microsoft.com/office/drawing/2014/main" id="{ADA271CD-3011-4A05-B4A3-80F1794684F2}"/>
               </a:ext>
               <a:ext uri="{C183D7F6-B498-43B3-948B-1728B52AA6E4}">
-                <adec:decorative xmlns:adec="http://schemas.microsoft.com/office/drawing/2017/decorative" xmlns="" val="1"/>
+                <adec:decorative xmlns="" xmlns:adec="http://schemas.microsoft.com/office/drawing/2017/decorative" val="1"/>
               </a:ext>
             </a:extLst>
           </p:cNvPr>
@@ -4838,7 +4840,7 @@
                 <a16:creationId xmlns:a16="http://schemas.microsoft.com/office/drawing/2014/main" id="{55B419A7-F817-4767-8CCB-FB0E189C4ACD}"/>
               </a:ext>
               <a:ext uri="{C183D7F6-B498-43B3-948B-1728B52AA6E4}">
-                <adec:decorative xmlns:adec="http://schemas.microsoft.com/office/drawing/2017/decorative" xmlns="" val="1"/>
+                <adec:decorative xmlns="" xmlns:adec="http://schemas.microsoft.com/office/drawing/2017/decorative" val="1"/>
               </a:ext>
             </a:extLst>
           </p:cNvPr>
@@ -4898,7 +4900,7 @@
                 <a16:creationId xmlns:a16="http://schemas.microsoft.com/office/drawing/2014/main" id="{E3B95BE3-D5B2-4F38-9A01-17866C9FBA6E}"/>
               </a:ext>
               <a:ext uri="{C183D7F6-B498-43B3-948B-1728B52AA6E4}">
-                <adec:decorative xmlns:adec="http://schemas.microsoft.com/office/drawing/2017/decorative" xmlns="" val="1"/>
+                <adec:decorative xmlns="" xmlns:adec="http://schemas.microsoft.com/office/drawing/2017/decorative" val="1"/>
               </a:ext>
             </a:extLst>
           </p:cNvPr>
@@ -4950,7 +4952,7 @@
                 <a16:creationId xmlns:a16="http://schemas.microsoft.com/office/drawing/2014/main" id="{ADA271CD-3011-4A05-B4A3-80F1794684F2}"/>
               </a:ext>
               <a:ext uri="{C183D7F6-B498-43B3-948B-1728B52AA6E4}">
-                <adec:decorative xmlns:adec="http://schemas.microsoft.com/office/drawing/2017/decorative" xmlns="" val="1"/>
+                <adec:decorative xmlns="" xmlns:adec="http://schemas.microsoft.com/office/drawing/2017/decorative" val="1"/>
               </a:ext>
             </a:extLst>
           </p:cNvPr>
@@ -5641,17 +5643,6 @@
 <file path=ppt/slides/slide5.xml><?xml version="1.0" encoding="utf-8"?>
 <p:sld xmlns:a="http://schemas.openxmlformats.org/drawingml/2006/main" xmlns:r="http://schemas.openxmlformats.org/officeDocument/2006/relationships" xmlns:p="http://schemas.openxmlformats.org/presentationml/2006/main">
   <p:cSld>
-    <p:bg>
-      <p:bgPr>
-        <a:solidFill>
-          <a:schemeClr val="bg1">
-            <a:tint val="98000"/>
-            <a:satMod val="170000"/>
-          </a:schemeClr>
-        </a:solidFill>
-        <a:effectLst/>
-      </p:bgPr>
-    </p:bg>
     <p:spTree>
       <p:nvGrpSpPr>
         <p:cNvPr id="1" name=""/>
@@ -5666,386 +5657,9 @@
           <a:chExt cx="0" cy="0"/>
         </a:xfrm>
       </p:grpSpPr>
-      <p:sp useBgFill="1">
-        <p:nvSpPr>
-          <p:cNvPr id="14" name="Rectangle 7">
-            <a:extLst>
-              <a:ext uri="{FF2B5EF4-FFF2-40B4-BE49-F238E27FC236}">
-                <a16:creationId xmlns:a16="http://schemas.microsoft.com/office/drawing/2014/main" id="{55B419A7-F817-4767-8CCB-FB0E189C4ACD}"/>
-              </a:ext>
-              <a:ext uri="{C183D7F6-B498-43B3-948B-1728B52AA6E4}">
-                <adec:decorative xmlns:adec="http://schemas.microsoft.com/office/drawing/2017/decorative" xmlns="" val="1"/>
-              </a:ext>
-            </a:extLst>
-          </p:cNvPr>
-          <p:cNvSpPr>
-            <a:spLocks noGrp="1" noRot="1" noChangeAspect="1" noMove="1" noResize="1" noEditPoints="1" noAdjustHandles="1" noChangeArrowheads="1" noChangeShapeType="1" noTextEdit="1"/>
-          </p:cNvSpPr>
-          <p:nvPr>
-            <p:extLst>
-              <p:ext uri="{386F3935-93C4-4BCD-93E2-E3B085C9AB24}">
-                <p16:designElem xmlns:p16="http://schemas.microsoft.com/office/powerpoint/2015/main" val="1"/>
-              </p:ext>
-            </p:extLst>
-          </p:nvPr>
-        </p:nvSpPr>
-        <p:spPr>
-          <a:xfrm>
-            <a:off x="0" y="0"/>
-            <a:ext cx="12192000" cy="6858000"/>
-          </a:xfrm>
-          <a:prstGeom prst="rect">
-            <a:avLst/>
-          </a:prstGeom>
-          <a:ln>
-            <a:noFill/>
-          </a:ln>
-        </p:spPr>
-        <p:style>
-          <a:lnRef idx="2">
-            <a:schemeClr val="accent1">
-              <a:shade val="50000"/>
-            </a:schemeClr>
-          </a:lnRef>
-          <a:fillRef idx="1">
-            <a:schemeClr val="accent1"/>
-          </a:fillRef>
-          <a:effectRef idx="0">
-            <a:schemeClr val="accent1"/>
-          </a:effectRef>
-          <a:fontRef idx="minor">
-            <a:schemeClr val="lt1"/>
-          </a:fontRef>
-        </p:style>
-        <p:txBody>
-          <a:bodyPr rtlCol="0" anchor="ctr"/>
-          <a:lstStyle/>
-          <a:p>
-            <a:pPr algn="ctr"/>
-            <a:endParaRPr lang="en-US"/>
-          </a:p>
-        </p:txBody>
-      </p:sp>
-      <p:cxnSp>
-        <p:nvCxnSpPr>
-          <p:cNvPr id="16" name="Straight Connector 9">
-            <a:extLst>
-              <a:ext uri="{FF2B5EF4-FFF2-40B4-BE49-F238E27FC236}">
-                <a16:creationId xmlns:a16="http://schemas.microsoft.com/office/drawing/2014/main" id="{E3B95BE3-D5B2-4F38-9A01-17866C9FBA6E}"/>
-              </a:ext>
-              <a:ext uri="{C183D7F6-B498-43B3-948B-1728B52AA6E4}">
-                <adec:decorative xmlns:adec="http://schemas.microsoft.com/office/drawing/2017/decorative" xmlns="" val="1"/>
-              </a:ext>
-            </a:extLst>
-          </p:cNvPr>
-          <p:cNvCxnSpPr>
-            <a:cxnSpLocks noGrp="1" noRot="1" noChangeAspect="1" noMove="1" noResize="1" noEditPoints="1" noAdjustHandles="1" noChangeArrowheads="1" noChangeShapeType="1"/>
-          </p:cNvCxnSpPr>
-          <p:nvPr>
-            <p:extLst>
-              <p:ext uri="{386F3935-93C4-4BCD-93E2-E3B085C9AB24}">
-                <p16:designElem xmlns:p16="http://schemas.microsoft.com/office/powerpoint/2015/main" val="1"/>
-              </p:ext>
-            </p:extLst>
-          </p:nvPr>
-        </p:nvCxnSpPr>
-        <p:spPr>
-          <a:xfrm flipH="1">
-            <a:off x="6040331" y="4555071"/>
-            <a:ext cx="5303520" cy="0"/>
-          </a:xfrm>
-          <a:prstGeom prst="line">
-            <a:avLst/>
-          </a:prstGeom>
-          <a:ln w="19050">
-            <a:solidFill>
-              <a:schemeClr val="tx1"/>
-            </a:solidFill>
-          </a:ln>
-        </p:spPr>
-        <p:style>
-          <a:lnRef idx="1">
-            <a:schemeClr val="accent1"/>
-          </a:lnRef>
-          <a:fillRef idx="0">
-            <a:schemeClr val="accent1"/>
-          </a:fillRef>
-          <a:effectRef idx="0">
-            <a:schemeClr val="accent1"/>
-          </a:effectRef>
-          <a:fontRef idx="minor">
-            <a:schemeClr val="tx1"/>
-          </a:fontRef>
-        </p:style>
-      </p:cxnSp>
-      <p:sp>
-        <p:nvSpPr>
-          <p:cNvPr id="17" name="Freeform 6">
-            <a:extLst>
-              <a:ext uri="{FF2B5EF4-FFF2-40B4-BE49-F238E27FC236}">
-                <a16:creationId xmlns:a16="http://schemas.microsoft.com/office/drawing/2014/main" id="{ADA271CD-3011-4A05-B4A3-80F1794684F2}"/>
-              </a:ext>
-              <a:ext uri="{C183D7F6-B498-43B3-948B-1728B52AA6E4}">
-                <adec:decorative xmlns:adec="http://schemas.microsoft.com/office/drawing/2017/decorative" xmlns="" val="1"/>
-              </a:ext>
-            </a:extLst>
-          </p:cNvPr>
-          <p:cNvSpPr>
-            <a:spLocks noGrp="1" noRot="1" noChangeAspect="1" noMove="1" noResize="1" noEditPoints="1" noAdjustHandles="1" noChangeArrowheads="1" noChangeShapeType="1" noTextEdit="1"/>
-          </p:cNvSpPr>
-          <p:nvPr>
-            <p:extLst>
-              <p:ext uri="{386F3935-93C4-4BCD-93E2-E3B085C9AB24}">
-                <p16:designElem xmlns:p16="http://schemas.microsoft.com/office/powerpoint/2015/main" val="1"/>
-              </p:ext>
-            </p:extLst>
-          </p:nvPr>
-        </p:nvSpPr>
-        <p:spPr bwMode="auto">
-          <a:xfrm>
-            <a:off x="11784011" y="5788152"/>
-            <a:ext cx="407988" cy="819150"/>
-          </a:xfrm>
-          <a:custGeom>
-            <a:avLst/>
-            <a:gdLst/>
-            <a:ahLst/>
-            <a:cxnLst/>
-            <a:rect l="0" t="0" r="r" b="b"/>
-            <a:pathLst>
-              <a:path w="1799" h="3612">
-                <a:moveTo>
-                  <a:pt x="1799" y="0"/>
-                </a:moveTo>
-                <a:lnTo>
-                  <a:pt x="1799" y="3612"/>
-                </a:lnTo>
-                <a:lnTo>
-                  <a:pt x="1686" y="3609"/>
-                </a:lnTo>
-                <a:lnTo>
-                  <a:pt x="1574" y="3598"/>
-                </a:lnTo>
-                <a:lnTo>
-                  <a:pt x="1464" y="3581"/>
-                </a:lnTo>
-                <a:lnTo>
-                  <a:pt x="1357" y="3557"/>
-                </a:lnTo>
-                <a:lnTo>
-                  <a:pt x="1251" y="3527"/>
-                </a:lnTo>
-                <a:lnTo>
-                  <a:pt x="1150" y="3490"/>
-                </a:lnTo>
-                <a:lnTo>
-                  <a:pt x="1050" y="3448"/>
-                </a:lnTo>
-                <a:lnTo>
-                  <a:pt x="953" y="3401"/>
-                </a:lnTo>
-                <a:lnTo>
-                  <a:pt x="860" y="3347"/>
-                </a:lnTo>
-                <a:lnTo>
-                  <a:pt x="771" y="3289"/>
-                </a:lnTo>
-                <a:lnTo>
-                  <a:pt x="686" y="3224"/>
-                </a:lnTo>
-                <a:lnTo>
-                  <a:pt x="604" y="3156"/>
-                </a:lnTo>
-                <a:lnTo>
-                  <a:pt x="527" y="3083"/>
-                </a:lnTo>
-                <a:lnTo>
-                  <a:pt x="454" y="3005"/>
-                </a:lnTo>
-                <a:lnTo>
-                  <a:pt x="386" y="2923"/>
-                </a:lnTo>
-                <a:lnTo>
-                  <a:pt x="323" y="2838"/>
-                </a:lnTo>
-                <a:lnTo>
-                  <a:pt x="265" y="2748"/>
-                </a:lnTo>
-                <a:lnTo>
-                  <a:pt x="211" y="2655"/>
-                </a:lnTo>
-                <a:lnTo>
-                  <a:pt x="163" y="2559"/>
-                </a:lnTo>
-                <a:lnTo>
-                  <a:pt x="121" y="2459"/>
-                </a:lnTo>
-                <a:lnTo>
-                  <a:pt x="85" y="2356"/>
-                </a:lnTo>
-                <a:lnTo>
-                  <a:pt x="55" y="2251"/>
-                </a:lnTo>
-                <a:lnTo>
-                  <a:pt x="32" y="2143"/>
-                </a:lnTo>
-                <a:lnTo>
-                  <a:pt x="14" y="2033"/>
-                </a:lnTo>
-                <a:lnTo>
-                  <a:pt x="4" y="1920"/>
-                </a:lnTo>
-                <a:lnTo>
-                  <a:pt x="0" y="1806"/>
-                </a:lnTo>
-                <a:lnTo>
-                  <a:pt x="4" y="1692"/>
-                </a:lnTo>
-                <a:lnTo>
-                  <a:pt x="14" y="1580"/>
-                </a:lnTo>
-                <a:lnTo>
-                  <a:pt x="32" y="1469"/>
-                </a:lnTo>
-                <a:lnTo>
-                  <a:pt x="55" y="1362"/>
-                </a:lnTo>
-                <a:lnTo>
-                  <a:pt x="85" y="1256"/>
-                </a:lnTo>
-                <a:lnTo>
-                  <a:pt x="121" y="1154"/>
-                </a:lnTo>
-                <a:lnTo>
-                  <a:pt x="163" y="1054"/>
-                </a:lnTo>
-                <a:lnTo>
-                  <a:pt x="211" y="958"/>
-                </a:lnTo>
-                <a:lnTo>
-                  <a:pt x="265" y="864"/>
-                </a:lnTo>
-                <a:lnTo>
-                  <a:pt x="323" y="774"/>
-                </a:lnTo>
-                <a:lnTo>
-                  <a:pt x="386" y="689"/>
-                </a:lnTo>
-                <a:lnTo>
-                  <a:pt x="454" y="607"/>
-                </a:lnTo>
-                <a:lnTo>
-                  <a:pt x="527" y="529"/>
-                </a:lnTo>
-                <a:lnTo>
-                  <a:pt x="604" y="456"/>
-                </a:lnTo>
-                <a:lnTo>
-                  <a:pt x="686" y="388"/>
-                </a:lnTo>
-                <a:lnTo>
-                  <a:pt x="771" y="325"/>
-                </a:lnTo>
-                <a:lnTo>
-                  <a:pt x="860" y="266"/>
-                </a:lnTo>
-                <a:lnTo>
-                  <a:pt x="953" y="212"/>
-                </a:lnTo>
-                <a:lnTo>
-                  <a:pt x="1050" y="164"/>
-                </a:lnTo>
-                <a:lnTo>
-                  <a:pt x="1150" y="122"/>
-                </a:lnTo>
-                <a:lnTo>
-                  <a:pt x="1251" y="85"/>
-                </a:lnTo>
-                <a:lnTo>
-                  <a:pt x="1357" y="55"/>
-                </a:lnTo>
-                <a:lnTo>
-                  <a:pt x="1464" y="32"/>
-                </a:lnTo>
-                <a:lnTo>
-                  <a:pt x="1574" y="14"/>
-                </a:lnTo>
-                <a:lnTo>
-                  <a:pt x="1686" y="5"/>
-                </a:lnTo>
-                <a:lnTo>
-                  <a:pt x="1799" y="0"/>
-                </a:lnTo>
-                <a:close/>
-              </a:path>
-            </a:pathLst>
-          </a:custGeom>
-          <a:solidFill>
-            <a:schemeClr val="tx1">
-              <a:lumMod val="85000"/>
-              <a:lumOff val="15000"/>
-            </a:schemeClr>
-          </a:solidFill>
-          <a:ln w="0">
-            <a:noFill/>
-            <a:prstDash val="solid"/>
-            <a:round/>
-            <a:headEnd/>
-            <a:tailEnd/>
-          </a:ln>
-        </p:spPr>
-        <p:txBody>
-          <a:bodyPr anchor="ctr"/>
-          <a:lstStyle/>
-          <a:p>
-            <a:endParaRPr lang="en-US"/>
-          </a:p>
-        </p:txBody>
-      </p:sp>
-      <p:sp>
-        <p:nvSpPr>
-          <p:cNvPr id="7" name="CaixaDeTexto 6">
-            <a:extLst>
-              <a:ext uri="{FF2B5EF4-FFF2-40B4-BE49-F238E27FC236}">
-                <a16:creationId xmlns:a16="http://schemas.microsoft.com/office/drawing/2014/main" id="{0329BD6B-4087-40F4-8ABA-F9FF44C4DE27}"/>
-              </a:ext>
-            </a:extLst>
-          </p:cNvPr>
-          <p:cNvSpPr txBox="1"/>
-          <p:nvPr/>
-        </p:nvSpPr>
-        <p:spPr>
-          <a:xfrm>
-            <a:off x="2092411" y="741405"/>
-            <a:ext cx="6993133" cy="369332"/>
-          </a:xfrm>
-          <a:prstGeom prst="rect">
-            <a:avLst/>
-          </a:prstGeom>
-          <a:noFill/>
-        </p:spPr>
-        <p:txBody>
-          <a:bodyPr wrap="none" rtlCol="0">
-            <a:spAutoFit/>
-          </a:bodyPr>
-          <a:lstStyle/>
-          <a:p>
-            <a:r>
-              <a:rPr lang="pt-BR" dirty="0"/>
-              <a:t>Comando : GIT INIT ( Inicializando a pasta como repositório GIT )</a:t>
-            </a:r>
-          </a:p>
-        </p:txBody>
-      </p:sp>
       <p:pic>
         <p:nvPicPr>
-          <p:cNvPr id="8" name="Imagem 7">
-            <a:extLst>
-              <a:ext uri="{FF2B5EF4-FFF2-40B4-BE49-F238E27FC236}">
-                <a16:creationId xmlns:a16="http://schemas.microsoft.com/office/drawing/2014/main" id="{A2C2FEFD-8F8C-405F-B3FB-2F5FA327BCD8}"/>
-              </a:ext>
-            </a:extLst>
-          </p:cNvPr>
+          <p:cNvPr id="4" name="Imagem 3"/>
           <p:cNvPicPr>
             <a:picLocks noChangeAspect="1"/>
           </p:cNvPicPr>
@@ -6059,18 +5673,89 @@
         </p:blipFill>
         <p:spPr>
           <a:xfrm>
-            <a:off x="3624997" y="1573811"/>
-            <a:ext cx="7718854" cy="5190010"/>
+            <a:off x="-177274" y="-97971"/>
+            <a:ext cx="13011150" cy="7315200"/>
           </a:xfrm>
           <a:prstGeom prst="rect">
             <a:avLst/>
           </a:prstGeom>
         </p:spPr>
       </p:pic>
+      <p:sp>
+        <p:nvSpPr>
+          <p:cNvPr id="2" name="Título 1"/>
+          <p:cNvSpPr>
+            <a:spLocks noGrp="1"/>
+          </p:cNvSpPr>
+          <p:nvPr>
+            <p:ph type="title"/>
+          </p:nvPr>
+        </p:nvSpPr>
+        <p:spPr/>
+        <p:txBody>
+          <a:bodyPr/>
+          <a:lstStyle/>
+          <a:p>
+            <a:endParaRPr lang="pt-BR"/>
+          </a:p>
+        </p:txBody>
+      </p:sp>
+      <p:sp>
+        <p:nvSpPr>
+          <p:cNvPr id="3" name="Espaço Reservado para Conteúdo 2"/>
+          <p:cNvSpPr>
+            <a:spLocks noGrp="1"/>
+          </p:cNvSpPr>
+          <p:nvPr>
+            <p:ph idx="1"/>
+          </p:nvPr>
+        </p:nvSpPr>
+        <p:spPr>
+          <a:xfrm>
+            <a:off x="547333" y="6115703"/>
+            <a:ext cx="1777855" cy="510104"/>
+          </a:xfrm>
+        </p:spPr>
+        <p:txBody>
+          <a:bodyPr/>
+          <a:lstStyle/>
+          <a:p>
+            <a:r>
+              <a:rPr lang="pt-BR" dirty="0" err="1" smtClean="0">
+                <a:solidFill>
+                  <a:schemeClr val="bg1"/>
+                </a:solidFill>
+              </a:rPr>
+              <a:t>Git</a:t>
+            </a:r>
+            <a:r>
+              <a:rPr lang="pt-BR" dirty="0" smtClean="0">
+                <a:solidFill>
+                  <a:schemeClr val="bg1"/>
+                </a:solidFill>
+              </a:rPr>
+              <a:t> </a:t>
+            </a:r>
+            <a:r>
+              <a:rPr lang="pt-BR" dirty="0" err="1" smtClean="0">
+                <a:solidFill>
+                  <a:schemeClr val="bg1"/>
+                </a:solidFill>
+              </a:rPr>
+              <a:t>commit</a:t>
+            </a:r>
+            <a:endParaRPr lang="pt-BR" dirty="0">
+              <a:solidFill>
+                <a:schemeClr val="bg1"/>
+              </a:solidFill>
+            </a:endParaRPr>
+          </a:p>
+        </p:txBody>
+      </p:sp>
     </p:spTree>
     <p:extLst>
       <p:ext uri="{BB962C8B-B14F-4D97-AF65-F5344CB8AC3E}">
-        <p14:creationId xmlns:p14="http://schemas.microsoft.com/office/powerpoint/2010/main" val="1253041399"/>
+        <p14:creationId xmlns:p14="http://schemas.microsoft.com/office/powerpoint/2010/main" val="446893165"/>
       </p:ext>
     </p:extLst>
   </p:cSld>
@@ -6083,17 +5768,6 @@
 <file path=ppt/slides/slide6.xml><?xml version="1.0" encoding="utf-8"?>
 <p:sld xmlns:a="http://schemas.openxmlformats.org/drawingml/2006/main" xmlns:r="http://schemas.openxmlformats.org/officeDocument/2006/relationships" xmlns:p="http://schemas.openxmlformats.org/presentationml/2006/main">
   <p:cSld>
-    <p:bg>
-      <p:bgPr>
-        <a:solidFill>
-          <a:schemeClr val="bg1">
-            <a:tint val="98000"/>
-            <a:satMod val="170000"/>
-          </a:schemeClr>
-        </a:solidFill>
-        <a:effectLst/>
-      </p:bgPr>
-    </p:bg>
     <p:spTree>
       <p:nvGrpSpPr>
         <p:cNvPr id="1" name=""/>
@@ -6108,411 +5782,161 @@
           <a:chExt cx="0" cy="0"/>
         </a:xfrm>
       </p:grpSpPr>
-      <p:sp useBgFill="1">
-        <p:nvSpPr>
-          <p:cNvPr id="14" name="Rectangle 7">
-            <a:extLst>
-              <a:ext uri="{FF2B5EF4-FFF2-40B4-BE49-F238E27FC236}">
-                <a16:creationId xmlns:a16="http://schemas.microsoft.com/office/drawing/2014/main" id="{55B419A7-F817-4767-8CCB-FB0E189C4ACD}"/>
-              </a:ext>
-              <a:ext uri="{C183D7F6-B498-43B3-948B-1728B52AA6E4}">
-                <adec:decorative xmlns:adec="http://schemas.microsoft.com/office/drawing/2017/decorative" xmlns="" val="1"/>
-              </a:ext>
-            </a:extLst>
-          </p:cNvPr>
-          <p:cNvSpPr>
-            <a:spLocks noGrp="1" noRot="1" noChangeAspect="1" noMove="1" noResize="1" noEditPoints="1" noAdjustHandles="1" noChangeArrowheads="1" noChangeShapeType="1" noTextEdit="1"/>
-          </p:cNvSpPr>
-          <p:nvPr>
-            <p:extLst>
-              <p:ext uri="{386F3935-93C4-4BCD-93E2-E3B085C9AB24}">
-                <p16:designElem xmlns:p16="http://schemas.microsoft.com/office/powerpoint/2015/main" val="1"/>
-              </p:ext>
-            </p:extLst>
-          </p:nvPr>
-        </p:nvSpPr>
-        <p:spPr>
-          <a:xfrm>
-            <a:off x="0" y="0"/>
-            <a:ext cx="12192000" cy="6858000"/>
-          </a:xfrm>
-          <a:prstGeom prst="rect">
-            <a:avLst/>
-          </a:prstGeom>
-          <a:ln>
-            <a:noFill/>
-          </a:ln>
-        </p:spPr>
-        <p:style>
-          <a:lnRef idx="2">
-            <a:schemeClr val="accent1">
-              <a:shade val="50000"/>
-            </a:schemeClr>
-          </a:lnRef>
-          <a:fillRef idx="1">
-            <a:schemeClr val="accent1"/>
-          </a:fillRef>
-          <a:effectRef idx="0">
-            <a:schemeClr val="accent1"/>
-          </a:effectRef>
-          <a:fontRef idx="minor">
-            <a:schemeClr val="lt1"/>
-          </a:fontRef>
-        </p:style>
-        <p:txBody>
-          <a:bodyPr rtlCol="0" anchor="ctr"/>
-          <a:lstStyle/>
-          <a:p>
-            <a:pPr algn="ctr"/>
-            <a:endParaRPr lang="en-US"/>
-          </a:p>
-        </p:txBody>
-      </p:sp>
-      <p:cxnSp>
-        <p:nvCxnSpPr>
-          <p:cNvPr id="16" name="Straight Connector 9">
-            <a:extLst>
-              <a:ext uri="{FF2B5EF4-FFF2-40B4-BE49-F238E27FC236}">
-                <a16:creationId xmlns:a16="http://schemas.microsoft.com/office/drawing/2014/main" id="{E3B95BE3-D5B2-4F38-9A01-17866C9FBA6E}"/>
-              </a:ext>
-              <a:ext uri="{C183D7F6-B498-43B3-948B-1728B52AA6E4}">
-                <adec:decorative xmlns:adec="http://schemas.microsoft.com/office/drawing/2017/decorative" xmlns="" val="1"/>
-              </a:ext>
-            </a:extLst>
-          </p:cNvPr>
-          <p:cNvCxnSpPr>
-            <a:cxnSpLocks noGrp="1" noRot="1" noChangeAspect="1" noMove="1" noResize="1" noEditPoints="1" noAdjustHandles="1" noChangeArrowheads="1" noChangeShapeType="1"/>
-          </p:cNvCxnSpPr>
-          <p:nvPr>
-            <p:extLst>
-              <p:ext uri="{386F3935-93C4-4BCD-93E2-E3B085C9AB24}">
-                <p16:designElem xmlns:p16="http://schemas.microsoft.com/office/powerpoint/2015/main" val="1"/>
-              </p:ext>
-            </p:extLst>
-          </p:nvPr>
-        </p:nvCxnSpPr>
-        <p:spPr>
-          <a:xfrm flipH="1">
-            <a:off x="6040331" y="4555071"/>
-            <a:ext cx="5303520" cy="0"/>
-          </a:xfrm>
-          <a:prstGeom prst="line">
-            <a:avLst/>
-          </a:prstGeom>
-          <a:ln w="19050">
-            <a:solidFill>
-              <a:schemeClr val="tx1"/>
-            </a:solidFill>
-          </a:ln>
-        </p:spPr>
-        <p:style>
-          <a:lnRef idx="1">
-            <a:schemeClr val="accent1"/>
-          </a:lnRef>
-          <a:fillRef idx="0">
-            <a:schemeClr val="accent1"/>
-          </a:fillRef>
-          <a:effectRef idx="0">
-            <a:schemeClr val="accent1"/>
-          </a:effectRef>
-          <a:fontRef idx="minor">
-            <a:schemeClr val="tx1"/>
-          </a:fontRef>
-        </p:style>
-      </p:cxnSp>
-      <p:sp>
-        <p:nvSpPr>
-          <p:cNvPr id="17" name="Freeform 6">
-            <a:extLst>
-              <a:ext uri="{FF2B5EF4-FFF2-40B4-BE49-F238E27FC236}">
-                <a16:creationId xmlns:a16="http://schemas.microsoft.com/office/drawing/2014/main" id="{ADA271CD-3011-4A05-B4A3-80F1794684F2}"/>
-              </a:ext>
-              <a:ext uri="{C183D7F6-B498-43B3-948B-1728B52AA6E4}">
-                <adec:decorative xmlns:adec="http://schemas.microsoft.com/office/drawing/2017/decorative" xmlns="" val="1"/>
-              </a:ext>
-            </a:extLst>
-          </p:cNvPr>
-          <p:cNvSpPr>
-            <a:spLocks noGrp="1" noRot="1" noChangeAspect="1" noMove="1" noResize="1" noEditPoints="1" noAdjustHandles="1" noChangeArrowheads="1" noChangeShapeType="1" noTextEdit="1"/>
-          </p:cNvSpPr>
-          <p:nvPr>
-            <p:extLst>
-              <p:ext uri="{386F3935-93C4-4BCD-93E2-E3B085C9AB24}">
-                <p16:designElem xmlns:p16="http://schemas.microsoft.com/office/powerpoint/2015/main" val="1"/>
-              </p:ext>
-            </p:extLst>
-          </p:nvPr>
-        </p:nvSpPr>
-        <p:spPr bwMode="auto">
-          <a:xfrm>
-            <a:off x="11784011" y="5788152"/>
-            <a:ext cx="407988" cy="819150"/>
-          </a:xfrm>
-          <a:custGeom>
-            <a:avLst/>
-            <a:gdLst/>
-            <a:ahLst/>
-            <a:cxnLst/>
-            <a:rect l="0" t="0" r="r" b="b"/>
-            <a:pathLst>
-              <a:path w="1799" h="3612">
-                <a:moveTo>
-                  <a:pt x="1799" y="0"/>
-                </a:moveTo>
-                <a:lnTo>
-                  <a:pt x="1799" y="3612"/>
-                </a:lnTo>
-                <a:lnTo>
-                  <a:pt x="1686" y="3609"/>
-                </a:lnTo>
-                <a:lnTo>
-                  <a:pt x="1574" y="3598"/>
-                </a:lnTo>
-                <a:lnTo>
-                  <a:pt x="1464" y="3581"/>
-                </a:lnTo>
-                <a:lnTo>
-                  <a:pt x="1357" y="3557"/>
-                </a:lnTo>
-                <a:lnTo>
-                  <a:pt x="1251" y="3527"/>
-                </a:lnTo>
-                <a:lnTo>
-                  <a:pt x="1150" y="3490"/>
-                </a:lnTo>
-                <a:lnTo>
-                  <a:pt x="1050" y="3448"/>
-                </a:lnTo>
-                <a:lnTo>
-                  <a:pt x="953" y="3401"/>
-                </a:lnTo>
-                <a:lnTo>
-                  <a:pt x="860" y="3347"/>
-                </a:lnTo>
-                <a:lnTo>
-                  <a:pt x="771" y="3289"/>
-                </a:lnTo>
-                <a:lnTo>
-                  <a:pt x="686" y="3224"/>
-                </a:lnTo>
-                <a:lnTo>
-                  <a:pt x="604" y="3156"/>
-                </a:lnTo>
-                <a:lnTo>
-                  <a:pt x="527" y="3083"/>
-                </a:lnTo>
-                <a:lnTo>
-                  <a:pt x="454" y="3005"/>
-                </a:lnTo>
-                <a:lnTo>
-                  <a:pt x="386" y="2923"/>
-                </a:lnTo>
-                <a:lnTo>
-                  <a:pt x="323" y="2838"/>
-                </a:lnTo>
-                <a:lnTo>
-                  <a:pt x="265" y="2748"/>
-                </a:lnTo>
-                <a:lnTo>
-                  <a:pt x="211" y="2655"/>
-                </a:lnTo>
-                <a:lnTo>
-                  <a:pt x="163" y="2559"/>
-                </a:lnTo>
-                <a:lnTo>
-                  <a:pt x="121" y="2459"/>
-                </a:lnTo>
-                <a:lnTo>
-                  <a:pt x="85" y="2356"/>
-                </a:lnTo>
-                <a:lnTo>
-                  <a:pt x="55" y="2251"/>
-                </a:lnTo>
-                <a:lnTo>
-                  <a:pt x="32" y="2143"/>
-                </a:lnTo>
-                <a:lnTo>
-                  <a:pt x="14" y="2033"/>
-                </a:lnTo>
-                <a:lnTo>
-                  <a:pt x="4" y="1920"/>
-                </a:lnTo>
-                <a:lnTo>
-                  <a:pt x="0" y="1806"/>
-                </a:lnTo>
-                <a:lnTo>
-                  <a:pt x="4" y="1692"/>
-                </a:lnTo>
-                <a:lnTo>
-                  <a:pt x="14" y="1580"/>
-                </a:lnTo>
-                <a:lnTo>
-                  <a:pt x="32" y="1469"/>
-                </a:lnTo>
-                <a:lnTo>
-                  <a:pt x="55" y="1362"/>
-                </a:lnTo>
-                <a:lnTo>
-                  <a:pt x="85" y="1256"/>
-                </a:lnTo>
-                <a:lnTo>
-                  <a:pt x="121" y="1154"/>
-                </a:lnTo>
-                <a:lnTo>
-                  <a:pt x="163" y="1054"/>
-                </a:lnTo>
-                <a:lnTo>
-                  <a:pt x="211" y="958"/>
-                </a:lnTo>
-                <a:lnTo>
-                  <a:pt x="265" y="864"/>
-                </a:lnTo>
-                <a:lnTo>
-                  <a:pt x="323" y="774"/>
-                </a:lnTo>
-                <a:lnTo>
-                  <a:pt x="386" y="689"/>
-                </a:lnTo>
-                <a:lnTo>
-                  <a:pt x="454" y="607"/>
-                </a:lnTo>
-                <a:lnTo>
-                  <a:pt x="527" y="529"/>
-                </a:lnTo>
-                <a:lnTo>
-                  <a:pt x="604" y="456"/>
-                </a:lnTo>
-                <a:lnTo>
-                  <a:pt x="686" y="388"/>
-                </a:lnTo>
-                <a:lnTo>
-                  <a:pt x="771" y="325"/>
-                </a:lnTo>
-                <a:lnTo>
-                  <a:pt x="860" y="266"/>
-                </a:lnTo>
-                <a:lnTo>
-                  <a:pt x="953" y="212"/>
-                </a:lnTo>
-                <a:lnTo>
-                  <a:pt x="1050" y="164"/>
-                </a:lnTo>
-                <a:lnTo>
-                  <a:pt x="1150" y="122"/>
-                </a:lnTo>
-                <a:lnTo>
-                  <a:pt x="1251" y="85"/>
-                </a:lnTo>
-                <a:lnTo>
-                  <a:pt x="1357" y="55"/>
-                </a:lnTo>
-                <a:lnTo>
-                  <a:pt x="1464" y="32"/>
-                </a:lnTo>
-                <a:lnTo>
-                  <a:pt x="1574" y="14"/>
-                </a:lnTo>
-                <a:lnTo>
-                  <a:pt x="1686" y="5"/>
-                </a:lnTo>
-                <a:lnTo>
-                  <a:pt x="1799" y="0"/>
-                </a:lnTo>
-                <a:close/>
-              </a:path>
-            </a:pathLst>
-          </a:custGeom>
-          <a:solidFill>
-            <a:schemeClr val="tx1">
-              <a:lumMod val="85000"/>
-              <a:lumOff val="15000"/>
-            </a:schemeClr>
-          </a:solidFill>
-          <a:ln w="0">
-            <a:noFill/>
-            <a:prstDash val="solid"/>
-            <a:round/>
-            <a:headEnd/>
-            <a:tailEnd/>
-          </a:ln>
-        </p:spPr>
-        <p:txBody>
-          <a:bodyPr anchor="ctr"/>
-          <a:lstStyle/>
-          <a:p>
-            <a:endParaRPr lang="en-US"/>
-          </a:p>
-        </p:txBody>
-      </p:sp>
-      <p:sp>
-        <p:nvSpPr>
-          <p:cNvPr id="7" name="CaixaDeTexto 6">
-            <a:extLst>
-              <a:ext uri="{FF2B5EF4-FFF2-40B4-BE49-F238E27FC236}">
-                <a16:creationId xmlns:a16="http://schemas.microsoft.com/office/drawing/2014/main" id="{446F6010-C228-4A91-9AE3-837353E50423}"/>
-              </a:ext>
-            </a:extLst>
-          </p:cNvPr>
-          <p:cNvSpPr txBox="1"/>
-          <p:nvPr/>
-        </p:nvSpPr>
-        <p:spPr>
-          <a:xfrm>
-            <a:off x="4118919" y="1005016"/>
-            <a:ext cx="3374322" cy="369332"/>
-          </a:xfrm>
-          <a:prstGeom prst="rect">
-            <a:avLst/>
-          </a:prstGeom>
-          <a:noFill/>
-        </p:spPr>
-        <p:txBody>
-          <a:bodyPr wrap="none" rtlCol="0">
-            <a:spAutoFit/>
-          </a:bodyPr>
-          <a:lstStyle/>
-          <a:p>
-            <a:r>
-              <a:rPr lang="pt-BR" dirty="0"/>
-              <a:t>Criando Arquivo README.MD</a:t>
-            </a:r>
-          </a:p>
-        </p:txBody>
-      </p:sp>
       <p:pic>
         <p:nvPicPr>
-          <p:cNvPr id="3" name="Imagem 2" descr="Avaliacap_Oficial_Gerencia_Configuracao_Software"/>
+          <p:cNvPr id="4" name="Espaço Reservado para Conteúdo 3"/>
           <p:cNvPicPr>
-            <a:picLocks noChangeAspect="1"/>
+            <a:picLocks noGrp="1" noChangeAspect="1"/>
           </p:cNvPicPr>
-          <p:nvPr/>
+          <p:nvPr>
+            <p:ph idx="1"/>
+          </p:nvPr>
         </p:nvPicPr>
         <p:blipFill>
-          <a:blip r:embed="rId2">
-            <a:extLst>
-              <a:ext uri="{28A0092B-C50C-407E-A947-70E740481C1C}">
-                <a14:useLocalDpi xmlns:a14="http://schemas.microsoft.com/office/drawing/2010/main" val="0"/>
-              </a:ext>
-            </a:extLst>
-          </a:blip>
+          <a:blip r:embed="rId2"/>
           <a:stretch>
             <a:fillRect/>
           </a:stretch>
         </p:blipFill>
         <p:spPr>
           <a:xfrm>
-            <a:off x="1509072" y="1247470"/>
-            <a:ext cx="9173855" cy="4363059"/>
+            <a:off x="0" y="26668"/>
+            <a:ext cx="12083143" cy="6793450"/>
           </a:xfrm>
           <a:prstGeom prst="rect">
             <a:avLst/>
           </a:prstGeom>
         </p:spPr>
       </p:pic>
+      <p:sp>
+        <p:nvSpPr>
+          <p:cNvPr id="2" name="Título 1"/>
+          <p:cNvSpPr>
+            <a:spLocks noGrp="1"/>
+          </p:cNvSpPr>
+          <p:nvPr>
+            <p:ph type="title"/>
+          </p:nvPr>
+        </p:nvSpPr>
+        <p:spPr>
+          <a:xfrm>
+            <a:off x="1031969" y="5643154"/>
+            <a:ext cx="1854924" cy="613955"/>
+          </a:xfrm>
+        </p:spPr>
+        <p:txBody>
+          <a:bodyPr>
+            <a:normAutofit/>
+          </a:bodyPr>
+          <a:lstStyle/>
+          <a:p>
+            <a:r>
+              <a:rPr lang="pt-BR" sz="1600" dirty="0" err="1" smtClean="0">
+                <a:solidFill>
+                  <a:schemeClr val="bg1"/>
+                </a:solidFill>
+              </a:rPr>
+              <a:t>Git</a:t>
+            </a:r>
+            <a:r>
+              <a:rPr lang="pt-BR" sz="1600" dirty="0" smtClean="0">
+                <a:solidFill>
+                  <a:schemeClr val="bg1"/>
+                </a:solidFill>
+              </a:rPr>
+              <a:t> </a:t>
+            </a:r>
+            <a:r>
+              <a:rPr lang="pt-BR" sz="1600" dirty="0" err="1" smtClean="0">
+                <a:solidFill>
+                  <a:schemeClr val="bg1"/>
+                </a:solidFill>
+              </a:rPr>
+              <a:t>branch</a:t>
+            </a:r>
+            <a:r>
+              <a:rPr lang="pt-BR" sz="1600" dirty="0" smtClean="0">
+                <a:solidFill>
+                  <a:schemeClr val="bg1"/>
+                </a:solidFill>
+              </a:rPr>
+              <a:t> </a:t>
+            </a:r>
+            <a:r>
+              <a:rPr lang="pt-BR" sz="1600" dirty="0" err="1" smtClean="0">
+                <a:solidFill>
+                  <a:schemeClr val="bg1"/>
+                </a:solidFill>
+              </a:rPr>
+              <a:t>bugfix</a:t>
+            </a:r>
+            <a:r>
+              <a:rPr lang="pt-BR" sz="1600" dirty="0" smtClean="0">
+                <a:solidFill>
+                  <a:schemeClr val="bg1"/>
+                </a:solidFill>
+              </a:rPr>
+              <a:t/>
+            </a:r>
+            <a:br>
+              <a:rPr lang="pt-BR" sz="1600" dirty="0" smtClean="0">
+                <a:solidFill>
+                  <a:schemeClr val="bg1"/>
+                </a:solidFill>
+              </a:rPr>
+            </a:br>
+            <a:r>
+              <a:rPr lang="pt-BR" sz="1600" dirty="0" err="1" smtClean="0">
+                <a:solidFill>
+                  <a:schemeClr val="bg1"/>
+                </a:solidFill>
+              </a:rPr>
+              <a:t>git</a:t>
+            </a:r>
+            <a:r>
+              <a:rPr lang="pt-BR" sz="1600" dirty="0" smtClean="0">
+                <a:solidFill>
+                  <a:schemeClr val="bg1"/>
+                </a:solidFill>
+              </a:rPr>
+              <a:t> </a:t>
+            </a:r>
+            <a:r>
+              <a:rPr lang="pt-BR" sz="1600" dirty="0" err="1" smtClean="0">
+                <a:solidFill>
+                  <a:schemeClr val="bg1"/>
+                </a:solidFill>
+              </a:rPr>
+              <a:t>checkout</a:t>
+            </a:r>
+            <a:r>
+              <a:rPr lang="pt-BR" sz="1600" dirty="0" smtClean="0">
+                <a:solidFill>
+                  <a:schemeClr val="bg1"/>
+                </a:solidFill>
+              </a:rPr>
+              <a:t> </a:t>
+            </a:r>
+            <a:r>
+              <a:rPr lang="pt-BR" sz="1600" dirty="0" err="1" smtClean="0">
+                <a:solidFill>
+                  <a:schemeClr val="bg1"/>
+                </a:solidFill>
+              </a:rPr>
+              <a:t>main</a:t>
+            </a:r>
+            <a:endParaRPr lang="pt-BR" sz="1600" dirty="0">
+              <a:solidFill>
+                <a:schemeClr val="bg1"/>
+              </a:solidFill>
+            </a:endParaRPr>
+          </a:p>
+        </p:txBody>
+      </p:sp>
     </p:spTree>
     <p:extLst>
       <p:ext uri="{BB962C8B-B14F-4D97-AF65-F5344CB8AC3E}">
-        <p14:creationId xmlns:p14="http://schemas.microsoft.com/office/powerpoint/2010/main" val="407872987"/>
+        <p14:creationId xmlns:p14="http://schemas.microsoft.com/office/powerpoint/2010/main" val="1289832805"/>
       </p:ext>
     </p:extLst>
   </p:cSld>
@@ -6558,7 +5982,7 @@
                 <a16:creationId xmlns:a16="http://schemas.microsoft.com/office/drawing/2014/main" id="{55B419A7-F817-4767-8CCB-FB0E189C4ACD}"/>
               </a:ext>
               <a:ext uri="{C183D7F6-B498-43B3-948B-1728B52AA6E4}">
-                <adec:decorative xmlns:adec="http://schemas.microsoft.com/office/drawing/2017/decorative" xmlns="" val="1"/>
+                <adec:decorative xmlns="" xmlns:adec="http://schemas.microsoft.com/office/drawing/2017/decorative" val="1"/>
               </a:ext>
             </a:extLst>
           </p:cNvPr>
@@ -6618,7 +6042,7 @@
                 <a16:creationId xmlns:a16="http://schemas.microsoft.com/office/drawing/2014/main" id="{E3B95BE3-D5B2-4F38-9A01-17866C9FBA6E}"/>
               </a:ext>
               <a:ext uri="{C183D7F6-B498-43B3-948B-1728B52AA6E4}">
-                <adec:decorative xmlns:adec="http://schemas.microsoft.com/office/drawing/2017/decorative" xmlns="" val="1"/>
+                <adec:decorative xmlns="" xmlns:adec="http://schemas.microsoft.com/office/drawing/2017/decorative" val="1"/>
               </a:ext>
             </a:extLst>
           </p:cNvPr>
@@ -6670,7 +6094,891 @@
                 <a16:creationId xmlns:a16="http://schemas.microsoft.com/office/drawing/2014/main" id="{ADA271CD-3011-4A05-B4A3-80F1794684F2}"/>
               </a:ext>
               <a:ext uri="{C183D7F6-B498-43B3-948B-1728B52AA6E4}">
-                <adec:decorative xmlns:adec="http://schemas.microsoft.com/office/drawing/2017/decorative" xmlns="" val="1"/>
+                <adec:decorative xmlns="" xmlns:adec="http://schemas.microsoft.com/office/drawing/2017/decorative" val="1"/>
+              </a:ext>
+            </a:extLst>
+          </p:cNvPr>
+          <p:cNvSpPr>
+            <a:spLocks noGrp="1" noRot="1" noChangeAspect="1" noMove="1" noResize="1" noEditPoints="1" noAdjustHandles="1" noChangeArrowheads="1" noChangeShapeType="1" noTextEdit="1"/>
+          </p:cNvSpPr>
+          <p:nvPr>
+            <p:extLst>
+              <p:ext uri="{386F3935-93C4-4BCD-93E2-E3B085C9AB24}">
+                <p16:designElem xmlns:p16="http://schemas.microsoft.com/office/powerpoint/2015/main" val="1"/>
+              </p:ext>
+            </p:extLst>
+          </p:nvPr>
+        </p:nvSpPr>
+        <p:spPr bwMode="auto">
+          <a:xfrm>
+            <a:off x="11784011" y="5788152"/>
+            <a:ext cx="407988" cy="819150"/>
+          </a:xfrm>
+          <a:custGeom>
+            <a:avLst/>
+            <a:gdLst/>
+            <a:ahLst/>
+            <a:cxnLst/>
+            <a:rect l="0" t="0" r="r" b="b"/>
+            <a:pathLst>
+              <a:path w="1799" h="3612">
+                <a:moveTo>
+                  <a:pt x="1799" y="0"/>
+                </a:moveTo>
+                <a:lnTo>
+                  <a:pt x="1799" y="3612"/>
+                </a:lnTo>
+                <a:lnTo>
+                  <a:pt x="1686" y="3609"/>
+                </a:lnTo>
+                <a:lnTo>
+                  <a:pt x="1574" y="3598"/>
+                </a:lnTo>
+                <a:lnTo>
+                  <a:pt x="1464" y="3581"/>
+                </a:lnTo>
+                <a:lnTo>
+                  <a:pt x="1357" y="3557"/>
+                </a:lnTo>
+                <a:lnTo>
+                  <a:pt x="1251" y="3527"/>
+                </a:lnTo>
+                <a:lnTo>
+                  <a:pt x="1150" y="3490"/>
+                </a:lnTo>
+                <a:lnTo>
+                  <a:pt x="1050" y="3448"/>
+                </a:lnTo>
+                <a:lnTo>
+                  <a:pt x="953" y="3401"/>
+                </a:lnTo>
+                <a:lnTo>
+                  <a:pt x="860" y="3347"/>
+                </a:lnTo>
+                <a:lnTo>
+                  <a:pt x="771" y="3289"/>
+                </a:lnTo>
+                <a:lnTo>
+                  <a:pt x="686" y="3224"/>
+                </a:lnTo>
+                <a:lnTo>
+                  <a:pt x="604" y="3156"/>
+                </a:lnTo>
+                <a:lnTo>
+                  <a:pt x="527" y="3083"/>
+                </a:lnTo>
+                <a:lnTo>
+                  <a:pt x="454" y="3005"/>
+                </a:lnTo>
+                <a:lnTo>
+                  <a:pt x="386" y="2923"/>
+                </a:lnTo>
+                <a:lnTo>
+                  <a:pt x="323" y="2838"/>
+                </a:lnTo>
+                <a:lnTo>
+                  <a:pt x="265" y="2748"/>
+                </a:lnTo>
+                <a:lnTo>
+                  <a:pt x="211" y="2655"/>
+                </a:lnTo>
+                <a:lnTo>
+                  <a:pt x="163" y="2559"/>
+                </a:lnTo>
+                <a:lnTo>
+                  <a:pt x="121" y="2459"/>
+                </a:lnTo>
+                <a:lnTo>
+                  <a:pt x="85" y="2356"/>
+                </a:lnTo>
+                <a:lnTo>
+                  <a:pt x="55" y="2251"/>
+                </a:lnTo>
+                <a:lnTo>
+                  <a:pt x="32" y="2143"/>
+                </a:lnTo>
+                <a:lnTo>
+                  <a:pt x="14" y="2033"/>
+                </a:lnTo>
+                <a:lnTo>
+                  <a:pt x="4" y="1920"/>
+                </a:lnTo>
+                <a:lnTo>
+                  <a:pt x="0" y="1806"/>
+                </a:lnTo>
+                <a:lnTo>
+                  <a:pt x="4" y="1692"/>
+                </a:lnTo>
+                <a:lnTo>
+                  <a:pt x="14" y="1580"/>
+                </a:lnTo>
+                <a:lnTo>
+                  <a:pt x="32" y="1469"/>
+                </a:lnTo>
+                <a:lnTo>
+                  <a:pt x="55" y="1362"/>
+                </a:lnTo>
+                <a:lnTo>
+                  <a:pt x="85" y="1256"/>
+                </a:lnTo>
+                <a:lnTo>
+                  <a:pt x="121" y="1154"/>
+                </a:lnTo>
+                <a:lnTo>
+                  <a:pt x="163" y="1054"/>
+                </a:lnTo>
+                <a:lnTo>
+                  <a:pt x="211" y="958"/>
+                </a:lnTo>
+                <a:lnTo>
+                  <a:pt x="265" y="864"/>
+                </a:lnTo>
+                <a:lnTo>
+                  <a:pt x="323" y="774"/>
+                </a:lnTo>
+                <a:lnTo>
+                  <a:pt x="386" y="689"/>
+                </a:lnTo>
+                <a:lnTo>
+                  <a:pt x="454" y="607"/>
+                </a:lnTo>
+                <a:lnTo>
+                  <a:pt x="527" y="529"/>
+                </a:lnTo>
+                <a:lnTo>
+                  <a:pt x="604" y="456"/>
+                </a:lnTo>
+                <a:lnTo>
+                  <a:pt x="686" y="388"/>
+                </a:lnTo>
+                <a:lnTo>
+                  <a:pt x="771" y="325"/>
+                </a:lnTo>
+                <a:lnTo>
+                  <a:pt x="860" y="266"/>
+                </a:lnTo>
+                <a:lnTo>
+                  <a:pt x="953" y="212"/>
+                </a:lnTo>
+                <a:lnTo>
+                  <a:pt x="1050" y="164"/>
+                </a:lnTo>
+                <a:lnTo>
+                  <a:pt x="1150" y="122"/>
+                </a:lnTo>
+                <a:lnTo>
+                  <a:pt x="1251" y="85"/>
+                </a:lnTo>
+                <a:lnTo>
+                  <a:pt x="1357" y="55"/>
+                </a:lnTo>
+                <a:lnTo>
+                  <a:pt x="1464" y="32"/>
+                </a:lnTo>
+                <a:lnTo>
+                  <a:pt x="1574" y="14"/>
+                </a:lnTo>
+                <a:lnTo>
+                  <a:pt x="1686" y="5"/>
+                </a:lnTo>
+                <a:lnTo>
+                  <a:pt x="1799" y="0"/>
+                </a:lnTo>
+                <a:close/>
+              </a:path>
+            </a:pathLst>
+          </a:custGeom>
+          <a:solidFill>
+            <a:schemeClr val="tx1">
+              <a:lumMod val="85000"/>
+              <a:lumOff val="15000"/>
+            </a:schemeClr>
+          </a:solidFill>
+          <a:ln w="0">
+            <a:noFill/>
+            <a:prstDash val="solid"/>
+            <a:round/>
+            <a:headEnd/>
+            <a:tailEnd/>
+          </a:ln>
+        </p:spPr>
+        <p:txBody>
+          <a:bodyPr anchor="ctr"/>
+          <a:lstStyle/>
+          <a:p>
+            <a:endParaRPr lang="en-US"/>
+          </a:p>
+        </p:txBody>
+      </p:sp>
+      <p:sp>
+        <p:nvSpPr>
+          <p:cNvPr id="7" name="CaixaDeTexto 6">
+            <a:extLst>
+              <a:ext uri="{FF2B5EF4-FFF2-40B4-BE49-F238E27FC236}">
+                <a16:creationId xmlns:a16="http://schemas.microsoft.com/office/drawing/2014/main" id="{0329BD6B-4087-40F4-8ABA-F9FF44C4DE27}"/>
+              </a:ext>
+            </a:extLst>
+          </p:cNvPr>
+          <p:cNvSpPr txBox="1"/>
+          <p:nvPr/>
+        </p:nvSpPr>
+        <p:spPr>
+          <a:xfrm>
+            <a:off x="2092411" y="741405"/>
+            <a:ext cx="6993133" cy="369332"/>
+          </a:xfrm>
+          <a:prstGeom prst="rect">
+            <a:avLst/>
+          </a:prstGeom>
+          <a:noFill/>
+        </p:spPr>
+        <p:txBody>
+          <a:bodyPr wrap="none" rtlCol="0">
+            <a:spAutoFit/>
+          </a:bodyPr>
+          <a:lstStyle/>
+          <a:p>
+            <a:r>
+              <a:rPr lang="pt-BR" dirty="0"/>
+              <a:t>Comando : GIT INIT ( Inicializando a pasta como repositório GIT )</a:t>
+            </a:r>
+          </a:p>
+        </p:txBody>
+      </p:sp>
+      <p:pic>
+        <p:nvPicPr>
+          <p:cNvPr id="8" name="Imagem 7">
+            <a:extLst>
+              <a:ext uri="{FF2B5EF4-FFF2-40B4-BE49-F238E27FC236}">
+                <a16:creationId xmlns:a16="http://schemas.microsoft.com/office/drawing/2014/main" id="{A2C2FEFD-8F8C-405F-B3FB-2F5FA327BCD8}"/>
+              </a:ext>
+            </a:extLst>
+          </p:cNvPr>
+          <p:cNvPicPr>
+            <a:picLocks noChangeAspect="1"/>
+          </p:cNvPicPr>
+          <p:nvPr/>
+        </p:nvPicPr>
+        <p:blipFill>
+          <a:blip r:embed="rId2"/>
+          <a:stretch>
+            <a:fillRect/>
+          </a:stretch>
+        </p:blipFill>
+        <p:spPr>
+          <a:xfrm>
+            <a:off x="3624997" y="1573811"/>
+            <a:ext cx="7718854" cy="5190010"/>
+          </a:xfrm>
+          <a:prstGeom prst="rect">
+            <a:avLst/>
+          </a:prstGeom>
+        </p:spPr>
+      </p:pic>
+    </p:spTree>
+    <p:extLst>
+      <p:ext uri="{BB962C8B-B14F-4D97-AF65-F5344CB8AC3E}">
+        <p14:creationId xmlns:p14="http://schemas.microsoft.com/office/powerpoint/2010/main" val="1253041399"/>
+      </p:ext>
+    </p:extLst>
+  </p:cSld>
+  <p:clrMapOvr>
+    <a:masterClrMapping/>
+  </p:clrMapOvr>
+</p:sld>
+</file>
+
+<file path=ppt/slides/slide8.xml><?xml version="1.0" encoding="utf-8"?>
+<p:sld xmlns:a="http://schemas.openxmlformats.org/drawingml/2006/main" xmlns:r="http://schemas.openxmlformats.org/officeDocument/2006/relationships" xmlns:p="http://schemas.openxmlformats.org/presentationml/2006/main">
+  <p:cSld>
+    <p:bg>
+      <p:bgPr>
+        <a:solidFill>
+          <a:schemeClr val="bg1">
+            <a:tint val="98000"/>
+            <a:satMod val="170000"/>
+          </a:schemeClr>
+        </a:solidFill>
+        <a:effectLst/>
+      </p:bgPr>
+    </p:bg>
+    <p:spTree>
+      <p:nvGrpSpPr>
+        <p:cNvPr id="1" name=""/>
+        <p:cNvGrpSpPr/>
+        <p:nvPr/>
+      </p:nvGrpSpPr>
+      <p:grpSpPr>
+        <a:xfrm>
+          <a:off x="0" y="0"/>
+          <a:ext cx="0" cy="0"/>
+          <a:chOff x="0" y="0"/>
+          <a:chExt cx="0" cy="0"/>
+        </a:xfrm>
+      </p:grpSpPr>
+      <p:sp useBgFill="1">
+        <p:nvSpPr>
+          <p:cNvPr id="14" name="Rectangle 7">
+            <a:extLst>
+              <a:ext uri="{FF2B5EF4-FFF2-40B4-BE49-F238E27FC236}">
+                <a16:creationId xmlns:a16="http://schemas.microsoft.com/office/drawing/2014/main" id="{55B419A7-F817-4767-8CCB-FB0E189C4ACD}"/>
+              </a:ext>
+              <a:ext uri="{C183D7F6-B498-43B3-948B-1728B52AA6E4}">
+                <adec:decorative xmlns="" xmlns:adec="http://schemas.microsoft.com/office/drawing/2017/decorative" val="1"/>
+              </a:ext>
+            </a:extLst>
+          </p:cNvPr>
+          <p:cNvSpPr>
+            <a:spLocks noGrp="1" noRot="1" noChangeAspect="1" noMove="1" noResize="1" noEditPoints="1" noAdjustHandles="1" noChangeArrowheads="1" noChangeShapeType="1" noTextEdit="1"/>
+          </p:cNvSpPr>
+          <p:nvPr>
+            <p:extLst>
+              <p:ext uri="{386F3935-93C4-4BCD-93E2-E3B085C9AB24}">
+                <p16:designElem xmlns:p16="http://schemas.microsoft.com/office/powerpoint/2015/main" val="1"/>
+              </p:ext>
+            </p:extLst>
+          </p:nvPr>
+        </p:nvSpPr>
+        <p:spPr>
+          <a:xfrm>
+            <a:off x="0" y="0"/>
+            <a:ext cx="12192000" cy="6858000"/>
+          </a:xfrm>
+          <a:prstGeom prst="rect">
+            <a:avLst/>
+          </a:prstGeom>
+          <a:ln>
+            <a:noFill/>
+          </a:ln>
+        </p:spPr>
+        <p:style>
+          <a:lnRef idx="2">
+            <a:schemeClr val="accent1">
+              <a:shade val="50000"/>
+            </a:schemeClr>
+          </a:lnRef>
+          <a:fillRef idx="1">
+            <a:schemeClr val="accent1"/>
+          </a:fillRef>
+          <a:effectRef idx="0">
+            <a:schemeClr val="accent1"/>
+          </a:effectRef>
+          <a:fontRef idx="minor">
+            <a:schemeClr val="lt1"/>
+          </a:fontRef>
+        </p:style>
+        <p:txBody>
+          <a:bodyPr rtlCol="0" anchor="ctr"/>
+          <a:lstStyle/>
+          <a:p>
+            <a:pPr algn="ctr"/>
+            <a:endParaRPr lang="en-US"/>
+          </a:p>
+        </p:txBody>
+      </p:sp>
+      <p:cxnSp>
+        <p:nvCxnSpPr>
+          <p:cNvPr id="16" name="Straight Connector 9">
+            <a:extLst>
+              <a:ext uri="{FF2B5EF4-FFF2-40B4-BE49-F238E27FC236}">
+                <a16:creationId xmlns:a16="http://schemas.microsoft.com/office/drawing/2014/main" id="{E3B95BE3-D5B2-4F38-9A01-17866C9FBA6E}"/>
+              </a:ext>
+              <a:ext uri="{C183D7F6-B498-43B3-948B-1728B52AA6E4}">
+                <adec:decorative xmlns="" xmlns:adec="http://schemas.microsoft.com/office/drawing/2017/decorative" val="1"/>
+              </a:ext>
+            </a:extLst>
+          </p:cNvPr>
+          <p:cNvCxnSpPr>
+            <a:cxnSpLocks noGrp="1" noRot="1" noChangeAspect="1" noMove="1" noResize="1" noEditPoints="1" noAdjustHandles="1" noChangeArrowheads="1" noChangeShapeType="1"/>
+          </p:cNvCxnSpPr>
+          <p:nvPr>
+            <p:extLst>
+              <p:ext uri="{386F3935-93C4-4BCD-93E2-E3B085C9AB24}">
+                <p16:designElem xmlns:p16="http://schemas.microsoft.com/office/powerpoint/2015/main" val="1"/>
+              </p:ext>
+            </p:extLst>
+          </p:nvPr>
+        </p:nvCxnSpPr>
+        <p:spPr>
+          <a:xfrm flipH="1">
+            <a:off x="6040331" y="4555071"/>
+            <a:ext cx="5303520" cy="0"/>
+          </a:xfrm>
+          <a:prstGeom prst="line">
+            <a:avLst/>
+          </a:prstGeom>
+          <a:ln w="19050">
+            <a:solidFill>
+              <a:schemeClr val="tx1"/>
+            </a:solidFill>
+          </a:ln>
+        </p:spPr>
+        <p:style>
+          <a:lnRef idx="1">
+            <a:schemeClr val="accent1"/>
+          </a:lnRef>
+          <a:fillRef idx="0">
+            <a:schemeClr val="accent1"/>
+          </a:fillRef>
+          <a:effectRef idx="0">
+            <a:schemeClr val="accent1"/>
+          </a:effectRef>
+          <a:fontRef idx="minor">
+            <a:schemeClr val="tx1"/>
+          </a:fontRef>
+        </p:style>
+      </p:cxnSp>
+      <p:sp>
+        <p:nvSpPr>
+          <p:cNvPr id="17" name="Freeform 6">
+            <a:extLst>
+              <a:ext uri="{FF2B5EF4-FFF2-40B4-BE49-F238E27FC236}">
+                <a16:creationId xmlns:a16="http://schemas.microsoft.com/office/drawing/2014/main" id="{ADA271CD-3011-4A05-B4A3-80F1794684F2}"/>
+              </a:ext>
+              <a:ext uri="{C183D7F6-B498-43B3-948B-1728B52AA6E4}">
+                <adec:decorative xmlns="" xmlns:adec="http://schemas.microsoft.com/office/drawing/2017/decorative" val="1"/>
+              </a:ext>
+            </a:extLst>
+          </p:cNvPr>
+          <p:cNvSpPr>
+            <a:spLocks noGrp="1" noRot="1" noChangeAspect="1" noMove="1" noResize="1" noEditPoints="1" noAdjustHandles="1" noChangeArrowheads="1" noChangeShapeType="1" noTextEdit="1"/>
+          </p:cNvSpPr>
+          <p:nvPr>
+            <p:extLst>
+              <p:ext uri="{386F3935-93C4-4BCD-93E2-E3B085C9AB24}">
+                <p16:designElem xmlns:p16="http://schemas.microsoft.com/office/powerpoint/2015/main" val="1"/>
+              </p:ext>
+            </p:extLst>
+          </p:nvPr>
+        </p:nvSpPr>
+        <p:spPr bwMode="auto">
+          <a:xfrm>
+            <a:off x="11784011" y="5788152"/>
+            <a:ext cx="407988" cy="819150"/>
+          </a:xfrm>
+          <a:custGeom>
+            <a:avLst/>
+            <a:gdLst/>
+            <a:ahLst/>
+            <a:cxnLst/>
+            <a:rect l="0" t="0" r="r" b="b"/>
+            <a:pathLst>
+              <a:path w="1799" h="3612">
+                <a:moveTo>
+                  <a:pt x="1799" y="0"/>
+                </a:moveTo>
+                <a:lnTo>
+                  <a:pt x="1799" y="3612"/>
+                </a:lnTo>
+                <a:lnTo>
+                  <a:pt x="1686" y="3609"/>
+                </a:lnTo>
+                <a:lnTo>
+                  <a:pt x="1574" y="3598"/>
+                </a:lnTo>
+                <a:lnTo>
+                  <a:pt x="1464" y="3581"/>
+                </a:lnTo>
+                <a:lnTo>
+                  <a:pt x="1357" y="3557"/>
+                </a:lnTo>
+                <a:lnTo>
+                  <a:pt x="1251" y="3527"/>
+                </a:lnTo>
+                <a:lnTo>
+                  <a:pt x="1150" y="3490"/>
+                </a:lnTo>
+                <a:lnTo>
+                  <a:pt x="1050" y="3448"/>
+                </a:lnTo>
+                <a:lnTo>
+                  <a:pt x="953" y="3401"/>
+                </a:lnTo>
+                <a:lnTo>
+                  <a:pt x="860" y="3347"/>
+                </a:lnTo>
+                <a:lnTo>
+                  <a:pt x="771" y="3289"/>
+                </a:lnTo>
+                <a:lnTo>
+                  <a:pt x="686" y="3224"/>
+                </a:lnTo>
+                <a:lnTo>
+                  <a:pt x="604" y="3156"/>
+                </a:lnTo>
+                <a:lnTo>
+                  <a:pt x="527" y="3083"/>
+                </a:lnTo>
+                <a:lnTo>
+                  <a:pt x="454" y="3005"/>
+                </a:lnTo>
+                <a:lnTo>
+                  <a:pt x="386" y="2923"/>
+                </a:lnTo>
+                <a:lnTo>
+                  <a:pt x="323" y="2838"/>
+                </a:lnTo>
+                <a:lnTo>
+                  <a:pt x="265" y="2748"/>
+                </a:lnTo>
+                <a:lnTo>
+                  <a:pt x="211" y="2655"/>
+                </a:lnTo>
+                <a:lnTo>
+                  <a:pt x="163" y="2559"/>
+                </a:lnTo>
+                <a:lnTo>
+                  <a:pt x="121" y="2459"/>
+                </a:lnTo>
+                <a:lnTo>
+                  <a:pt x="85" y="2356"/>
+                </a:lnTo>
+                <a:lnTo>
+                  <a:pt x="55" y="2251"/>
+                </a:lnTo>
+                <a:lnTo>
+                  <a:pt x="32" y="2143"/>
+                </a:lnTo>
+                <a:lnTo>
+                  <a:pt x="14" y="2033"/>
+                </a:lnTo>
+                <a:lnTo>
+                  <a:pt x="4" y="1920"/>
+                </a:lnTo>
+                <a:lnTo>
+                  <a:pt x="0" y="1806"/>
+                </a:lnTo>
+                <a:lnTo>
+                  <a:pt x="4" y="1692"/>
+                </a:lnTo>
+                <a:lnTo>
+                  <a:pt x="14" y="1580"/>
+                </a:lnTo>
+                <a:lnTo>
+                  <a:pt x="32" y="1469"/>
+                </a:lnTo>
+                <a:lnTo>
+                  <a:pt x="55" y="1362"/>
+                </a:lnTo>
+                <a:lnTo>
+                  <a:pt x="85" y="1256"/>
+                </a:lnTo>
+                <a:lnTo>
+                  <a:pt x="121" y="1154"/>
+                </a:lnTo>
+                <a:lnTo>
+                  <a:pt x="163" y="1054"/>
+                </a:lnTo>
+                <a:lnTo>
+                  <a:pt x="211" y="958"/>
+                </a:lnTo>
+                <a:lnTo>
+                  <a:pt x="265" y="864"/>
+                </a:lnTo>
+                <a:lnTo>
+                  <a:pt x="323" y="774"/>
+                </a:lnTo>
+                <a:lnTo>
+                  <a:pt x="386" y="689"/>
+                </a:lnTo>
+                <a:lnTo>
+                  <a:pt x="454" y="607"/>
+                </a:lnTo>
+                <a:lnTo>
+                  <a:pt x="527" y="529"/>
+                </a:lnTo>
+                <a:lnTo>
+                  <a:pt x="604" y="456"/>
+                </a:lnTo>
+                <a:lnTo>
+                  <a:pt x="686" y="388"/>
+                </a:lnTo>
+                <a:lnTo>
+                  <a:pt x="771" y="325"/>
+                </a:lnTo>
+                <a:lnTo>
+                  <a:pt x="860" y="266"/>
+                </a:lnTo>
+                <a:lnTo>
+                  <a:pt x="953" y="212"/>
+                </a:lnTo>
+                <a:lnTo>
+                  <a:pt x="1050" y="164"/>
+                </a:lnTo>
+                <a:lnTo>
+                  <a:pt x="1150" y="122"/>
+                </a:lnTo>
+                <a:lnTo>
+                  <a:pt x="1251" y="85"/>
+                </a:lnTo>
+                <a:lnTo>
+                  <a:pt x="1357" y="55"/>
+                </a:lnTo>
+                <a:lnTo>
+                  <a:pt x="1464" y="32"/>
+                </a:lnTo>
+                <a:lnTo>
+                  <a:pt x="1574" y="14"/>
+                </a:lnTo>
+                <a:lnTo>
+                  <a:pt x="1686" y="5"/>
+                </a:lnTo>
+                <a:lnTo>
+                  <a:pt x="1799" y="0"/>
+                </a:lnTo>
+                <a:close/>
+              </a:path>
+            </a:pathLst>
+          </a:custGeom>
+          <a:solidFill>
+            <a:schemeClr val="tx1">
+              <a:lumMod val="85000"/>
+              <a:lumOff val="15000"/>
+            </a:schemeClr>
+          </a:solidFill>
+          <a:ln w="0">
+            <a:noFill/>
+            <a:prstDash val="solid"/>
+            <a:round/>
+            <a:headEnd/>
+            <a:tailEnd/>
+          </a:ln>
+        </p:spPr>
+        <p:txBody>
+          <a:bodyPr anchor="ctr"/>
+          <a:lstStyle/>
+          <a:p>
+            <a:endParaRPr lang="en-US"/>
+          </a:p>
+        </p:txBody>
+      </p:sp>
+      <p:sp>
+        <p:nvSpPr>
+          <p:cNvPr id="7" name="CaixaDeTexto 6">
+            <a:extLst>
+              <a:ext uri="{FF2B5EF4-FFF2-40B4-BE49-F238E27FC236}">
+                <a16:creationId xmlns:a16="http://schemas.microsoft.com/office/drawing/2014/main" id="{446F6010-C228-4A91-9AE3-837353E50423}"/>
+              </a:ext>
+            </a:extLst>
+          </p:cNvPr>
+          <p:cNvSpPr txBox="1"/>
+          <p:nvPr/>
+        </p:nvSpPr>
+        <p:spPr>
+          <a:xfrm>
+            <a:off x="4118919" y="1005016"/>
+            <a:ext cx="3374322" cy="369332"/>
+          </a:xfrm>
+          <a:prstGeom prst="rect">
+            <a:avLst/>
+          </a:prstGeom>
+          <a:noFill/>
+        </p:spPr>
+        <p:txBody>
+          <a:bodyPr wrap="none" rtlCol="0">
+            <a:spAutoFit/>
+          </a:bodyPr>
+          <a:lstStyle/>
+          <a:p>
+            <a:r>
+              <a:rPr lang="pt-BR" dirty="0"/>
+              <a:t>Criando Arquivo README.MD</a:t>
+            </a:r>
+          </a:p>
+        </p:txBody>
+      </p:sp>
+      <p:pic>
+        <p:nvPicPr>
+          <p:cNvPr id="3" name="Imagem 2" descr="Avaliacap_Oficial_Gerencia_Configuracao_Software"/>
+          <p:cNvPicPr>
+            <a:picLocks noChangeAspect="1"/>
+          </p:cNvPicPr>
+          <p:nvPr/>
+        </p:nvPicPr>
+        <p:blipFill>
+          <a:blip r:embed="rId2">
+            <a:extLst>
+              <a:ext uri="{28A0092B-C50C-407E-A947-70E740481C1C}">
+                <a14:useLocalDpi xmlns:a14="http://schemas.microsoft.com/office/drawing/2010/main" val="0"/>
+              </a:ext>
+            </a:extLst>
+          </a:blip>
+          <a:stretch>
+            <a:fillRect/>
+          </a:stretch>
+        </p:blipFill>
+        <p:spPr>
+          <a:xfrm>
+            <a:off x="1509072" y="1247470"/>
+            <a:ext cx="9173855" cy="4363059"/>
+          </a:xfrm>
+          <a:prstGeom prst="rect">
+            <a:avLst/>
+          </a:prstGeom>
+        </p:spPr>
+      </p:pic>
+    </p:spTree>
+    <p:extLst>
+      <p:ext uri="{BB962C8B-B14F-4D97-AF65-F5344CB8AC3E}">
+        <p14:creationId xmlns:p14="http://schemas.microsoft.com/office/powerpoint/2010/main" val="407872987"/>
+      </p:ext>
+    </p:extLst>
+  </p:cSld>
+  <p:clrMapOvr>
+    <a:masterClrMapping/>
+  </p:clrMapOvr>
+</p:sld>
+</file>
+
+<file path=ppt/slides/slide9.xml><?xml version="1.0" encoding="utf-8"?>
+<p:sld xmlns:a="http://schemas.openxmlformats.org/drawingml/2006/main" xmlns:r="http://schemas.openxmlformats.org/officeDocument/2006/relationships" xmlns:p="http://schemas.openxmlformats.org/presentationml/2006/main">
+  <p:cSld>
+    <p:bg>
+      <p:bgPr>
+        <a:solidFill>
+          <a:schemeClr val="bg1">
+            <a:tint val="98000"/>
+            <a:satMod val="170000"/>
+          </a:schemeClr>
+        </a:solidFill>
+        <a:effectLst/>
+      </p:bgPr>
+    </p:bg>
+    <p:spTree>
+      <p:nvGrpSpPr>
+        <p:cNvPr id="1" name=""/>
+        <p:cNvGrpSpPr/>
+        <p:nvPr/>
+      </p:nvGrpSpPr>
+      <p:grpSpPr>
+        <a:xfrm>
+          <a:off x="0" y="0"/>
+          <a:ext cx="0" cy="0"/>
+          <a:chOff x="0" y="0"/>
+          <a:chExt cx="0" cy="0"/>
+        </a:xfrm>
+      </p:grpSpPr>
+      <p:sp useBgFill="1">
+        <p:nvSpPr>
+          <p:cNvPr id="14" name="Rectangle 7">
+            <a:extLst>
+              <a:ext uri="{FF2B5EF4-FFF2-40B4-BE49-F238E27FC236}">
+                <a16:creationId xmlns:a16="http://schemas.microsoft.com/office/drawing/2014/main" id="{55B419A7-F817-4767-8CCB-FB0E189C4ACD}"/>
+              </a:ext>
+              <a:ext uri="{C183D7F6-B498-43B3-948B-1728B52AA6E4}">
+                <adec:decorative xmlns="" xmlns:adec="http://schemas.microsoft.com/office/drawing/2017/decorative" val="1"/>
+              </a:ext>
+            </a:extLst>
+          </p:cNvPr>
+          <p:cNvSpPr>
+            <a:spLocks noGrp="1" noRot="1" noChangeAspect="1" noMove="1" noResize="1" noEditPoints="1" noAdjustHandles="1" noChangeArrowheads="1" noChangeShapeType="1" noTextEdit="1"/>
+          </p:cNvSpPr>
+          <p:nvPr>
+            <p:extLst>
+              <p:ext uri="{386F3935-93C4-4BCD-93E2-E3B085C9AB24}">
+                <p16:designElem xmlns:p16="http://schemas.microsoft.com/office/powerpoint/2015/main" val="1"/>
+              </p:ext>
+            </p:extLst>
+          </p:nvPr>
+        </p:nvSpPr>
+        <p:spPr>
+          <a:xfrm>
+            <a:off x="0" y="0"/>
+            <a:ext cx="12192000" cy="6858000"/>
+          </a:xfrm>
+          <a:prstGeom prst="rect">
+            <a:avLst/>
+          </a:prstGeom>
+          <a:ln>
+            <a:noFill/>
+          </a:ln>
+        </p:spPr>
+        <p:style>
+          <a:lnRef idx="2">
+            <a:schemeClr val="accent1">
+              <a:shade val="50000"/>
+            </a:schemeClr>
+          </a:lnRef>
+          <a:fillRef idx="1">
+            <a:schemeClr val="accent1"/>
+          </a:fillRef>
+          <a:effectRef idx="0">
+            <a:schemeClr val="accent1"/>
+          </a:effectRef>
+          <a:fontRef idx="minor">
+            <a:schemeClr val="lt1"/>
+          </a:fontRef>
+        </p:style>
+        <p:txBody>
+          <a:bodyPr rtlCol="0" anchor="ctr"/>
+          <a:lstStyle/>
+          <a:p>
+            <a:pPr algn="ctr"/>
+            <a:endParaRPr lang="en-US"/>
+          </a:p>
+        </p:txBody>
+      </p:sp>
+      <p:cxnSp>
+        <p:nvCxnSpPr>
+          <p:cNvPr id="16" name="Straight Connector 9">
+            <a:extLst>
+              <a:ext uri="{FF2B5EF4-FFF2-40B4-BE49-F238E27FC236}">
+                <a16:creationId xmlns:a16="http://schemas.microsoft.com/office/drawing/2014/main" id="{E3B95BE3-D5B2-4F38-9A01-17866C9FBA6E}"/>
+              </a:ext>
+              <a:ext uri="{C183D7F6-B498-43B3-948B-1728B52AA6E4}">
+                <adec:decorative xmlns="" xmlns:adec="http://schemas.microsoft.com/office/drawing/2017/decorative" val="1"/>
+              </a:ext>
+            </a:extLst>
+          </p:cNvPr>
+          <p:cNvCxnSpPr>
+            <a:cxnSpLocks noGrp="1" noRot="1" noChangeAspect="1" noMove="1" noResize="1" noEditPoints="1" noAdjustHandles="1" noChangeArrowheads="1" noChangeShapeType="1"/>
+          </p:cNvCxnSpPr>
+          <p:nvPr>
+            <p:extLst>
+              <p:ext uri="{386F3935-93C4-4BCD-93E2-E3B085C9AB24}">
+                <p16:designElem xmlns:p16="http://schemas.microsoft.com/office/powerpoint/2015/main" val="1"/>
+              </p:ext>
+            </p:extLst>
+          </p:nvPr>
+        </p:nvCxnSpPr>
+        <p:spPr>
+          <a:xfrm flipH="1">
+            <a:off x="6040331" y="4555071"/>
+            <a:ext cx="5303520" cy="0"/>
+          </a:xfrm>
+          <a:prstGeom prst="line">
+            <a:avLst/>
+          </a:prstGeom>
+          <a:ln w="19050">
+            <a:solidFill>
+              <a:schemeClr val="tx1"/>
+            </a:solidFill>
+          </a:ln>
+        </p:spPr>
+        <p:style>
+          <a:lnRef idx="1">
+            <a:schemeClr val="accent1"/>
+          </a:lnRef>
+          <a:fillRef idx="0">
+            <a:schemeClr val="accent1"/>
+          </a:fillRef>
+          <a:effectRef idx="0">
+            <a:schemeClr val="accent1"/>
+          </a:effectRef>
+          <a:fontRef idx="minor">
+            <a:schemeClr val="tx1"/>
+          </a:fontRef>
+        </p:style>
+      </p:cxnSp>
+      <p:sp>
+        <p:nvSpPr>
+          <p:cNvPr id="17" name="Freeform 6">
+            <a:extLst>
+              <a:ext uri="{FF2B5EF4-FFF2-40B4-BE49-F238E27FC236}">
+                <a16:creationId xmlns:a16="http://schemas.microsoft.com/office/drawing/2014/main" id="{ADA271CD-3011-4A05-B4A3-80F1794684F2}"/>
+              </a:ext>
+              <a:ext uri="{C183D7F6-B498-43B3-948B-1728B52AA6E4}">
+                <adec:decorative xmlns="" xmlns:adec="http://schemas.microsoft.com/office/drawing/2017/decorative" val="1"/>
               </a:ext>
             </a:extLst>
           </p:cNvPr>
